--- a/ppt 16-9/1409.与主同钉十架.pptx
+++ b/ppt 16-9/1409.与主同钉十架.pptx
@@ -5,7 +5,7 @@
     <p:sldMasterId id="2147483648" r:id="rId1"/>
   </p:sldMasterIdLst>
   <p:sldIdLst>
-    <p:sldId id="980" r:id="rId2"/>
+    <p:sldId id="981" r:id="rId2"/>
   </p:sldIdLst>
   <p:sldSz cx="12192000" cy="6858000"/>
   <p:notesSz cx="6858000" cy="9144000"/>
@@ -129,7 +129,7 @@
           <p:cNvPr id="2" name="标题 1">
             <a:extLst>
               <a:ext uri="{FF2B5EF4-FFF2-40B4-BE49-F238E27FC236}">
-                <a16:creationId xmlns:a16="http://schemas.microsoft.com/office/drawing/2014/main" id="{D51FE047-9D8A-7C7F-67BE-2D402CEDFFA0}"/>
+                <a16:creationId xmlns:a16="http://schemas.microsoft.com/office/drawing/2014/main" id="{D47EBDCD-4898-7664-8E70-998620210360}"/>
               </a:ext>
             </a:extLst>
           </p:cNvPr>
@@ -166,7 +166,7 @@
           <p:cNvPr id="3" name="副标题 2">
             <a:extLst>
               <a:ext uri="{FF2B5EF4-FFF2-40B4-BE49-F238E27FC236}">
-                <a16:creationId xmlns:a16="http://schemas.microsoft.com/office/drawing/2014/main" id="{E381C0EF-E471-354A-4CCF-5AD66AC3B0CB}"/>
+                <a16:creationId xmlns:a16="http://schemas.microsoft.com/office/drawing/2014/main" id="{7B7A03F2-E9B4-03C9-6555-A09C8F040E95}"/>
               </a:ext>
             </a:extLst>
           </p:cNvPr>
@@ -236,7 +236,7 @@
           <p:cNvPr id="4" name="日期占位符 3">
             <a:extLst>
               <a:ext uri="{FF2B5EF4-FFF2-40B4-BE49-F238E27FC236}">
-                <a16:creationId xmlns:a16="http://schemas.microsoft.com/office/drawing/2014/main" id="{DE9BBCEC-63D6-E639-B282-8DDBE13B540B}"/>
+                <a16:creationId xmlns:a16="http://schemas.microsoft.com/office/drawing/2014/main" id="{33D33893-426B-373B-972D-4F2DFDBCAF92}"/>
               </a:ext>
             </a:extLst>
           </p:cNvPr>
@@ -252,7 +252,7 @@
           <a:bodyPr/>
           <a:lstStyle/>
           <a:p>
-            <a:fld id="{6C3B2F43-08CF-45D9-9D36-2057DFEA63A5}" type="datetimeFigureOut">
+            <a:fld id="{6A4B0B89-1C00-48F9-AC23-A53AA94A50F5}" type="datetimeFigureOut">
               <a:rPr lang="zh-CN" altLang="en-US" smtClean="0"/>
               <a:t>2024/3/10</a:t>
             </a:fld>
@@ -265,7 +265,7 @@
           <p:cNvPr id="5" name="页脚占位符 4">
             <a:extLst>
               <a:ext uri="{FF2B5EF4-FFF2-40B4-BE49-F238E27FC236}">
-                <a16:creationId xmlns:a16="http://schemas.microsoft.com/office/drawing/2014/main" id="{7BABB249-5B00-5EA4-11E2-65FB0FB30707}"/>
+                <a16:creationId xmlns:a16="http://schemas.microsoft.com/office/drawing/2014/main" id="{43618E42-BEA5-67A7-4D48-7BBA6E6C6CCA}"/>
               </a:ext>
             </a:extLst>
           </p:cNvPr>
@@ -290,7 +290,7 @@
           <p:cNvPr id="6" name="灯片编号占位符 5">
             <a:extLst>
               <a:ext uri="{FF2B5EF4-FFF2-40B4-BE49-F238E27FC236}">
-                <a16:creationId xmlns:a16="http://schemas.microsoft.com/office/drawing/2014/main" id="{090D7D7F-8BA3-3BBA-59B0-335C850424A3}"/>
+                <a16:creationId xmlns:a16="http://schemas.microsoft.com/office/drawing/2014/main" id="{C4C4558C-CC85-380C-7496-1478CA6FAF04}"/>
               </a:ext>
             </a:extLst>
           </p:cNvPr>
@@ -306,7 +306,7 @@
           <a:bodyPr/>
           <a:lstStyle/>
           <a:p>
-            <a:fld id="{FA735266-6E3F-4258-B600-2305E12A2D40}" type="slidenum">
+            <a:fld id="{92D253B4-F3DE-4174-9B60-7A50264CD4F3}" type="slidenum">
               <a:rPr lang="zh-CN" altLang="en-US" smtClean="0"/>
               <a:t>‹#›</a:t>
             </a:fld>
@@ -317,7 +317,7 @@
     </p:spTree>
     <p:extLst>
       <p:ext uri="{BB962C8B-B14F-4D97-AF65-F5344CB8AC3E}">
-        <p14:creationId xmlns:p14="http://schemas.microsoft.com/office/powerpoint/2010/main" val="393186207"/>
+        <p14:creationId xmlns:p14="http://schemas.microsoft.com/office/powerpoint/2010/main" val="3330435660"/>
       </p:ext>
     </p:extLst>
   </p:cSld>
@@ -349,7 +349,7 @@
           <p:cNvPr id="2" name="标题 1">
             <a:extLst>
               <a:ext uri="{FF2B5EF4-FFF2-40B4-BE49-F238E27FC236}">
-                <a16:creationId xmlns:a16="http://schemas.microsoft.com/office/drawing/2014/main" id="{1300C3E3-48AE-3387-5650-1827FA80EDB6}"/>
+                <a16:creationId xmlns:a16="http://schemas.microsoft.com/office/drawing/2014/main" id="{0987F6E9-E362-8227-D594-78215932CC9E}"/>
               </a:ext>
             </a:extLst>
           </p:cNvPr>
@@ -377,7 +377,7 @@
           <p:cNvPr id="3" name="竖排文字占位符 2">
             <a:extLst>
               <a:ext uri="{FF2B5EF4-FFF2-40B4-BE49-F238E27FC236}">
-                <a16:creationId xmlns:a16="http://schemas.microsoft.com/office/drawing/2014/main" id="{AF794109-F4FB-B5CF-A93A-1B14AC1A595E}"/>
+                <a16:creationId xmlns:a16="http://schemas.microsoft.com/office/drawing/2014/main" id="{129D4CBF-68A8-E4E6-4237-6175E87E3808}"/>
               </a:ext>
             </a:extLst>
           </p:cNvPr>
@@ -434,7 +434,7 @@
           <p:cNvPr id="4" name="日期占位符 3">
             <a:extLst>
               <a:ext uri="{FF2B5EF4-FFF2-40B4-BE49-F238E27FC236}">
-                <a16:creationId xmlns:a16="http://schemas.microsoft.com/office/drawing/2014/main" id="{17642A8F-1551-317A-FDD7-C307388C3245}"/>
+                <a16:creationId xmlns:a16="http://schemas.microsoft.com/office/drawing/2014/main" id="{8BDEF1FA-8CF1-531D-F073-673B08F16DF2}"/>
               </a:ext>
             </a:extLst>
           </p:cNvPr>
@@ -450,7 +450,7 @@
           <a:bodyPr/>
           <a:lstStyle/>
           <a:p>
-            <a:fld id="{6C3B2F43-08CF-45D9-9D36-2057DFEA63A5}" type="datetimeFigureOut">
+            <a:fld id="{6A4B0B89-1C00-48F9-AC23-A53AA94A50F5}" type="datetimeFigureOut">
               <a:rPr lang="zh-CN" altLang="en-US" smtClean="0"/>
               <a:t>2024/3/10</a:t>
             </a:fld>
@@ -463,7 +463,7 @@
           <p:cNvPr id="5" name="页脚占位符 4">
             <a:extLst>
               <a:ext uri="{FF2B5EF4-FFF2-40B4-BE49-F238E27FC236}">
-                <a16:creationId xmlns:a16="http://schemas.microsoft.com/office/drawing/2014/main" id="{FF93A096-874A-826E-1073-5DA76533ED41}"/>
+                <a16:creationId xmlns:a16="http://schemas.microsoft.com/office/drawing/2014/main" id="{06B2EA88-7228-FF57-1B35-29B00A3E1EF4}"/>
               </a:ext>
             </a:extLst>
           </p:cNvPr>
@@ -488,7 +488,7 @@
           <p:cNvPr id="6" name="灯片编号占位符 5">
             <a:extLst>
               <a:ext uri="{FF2B5EF4-FFF2-40B4-BE49-F238E27FC236}">
-                <a16:creationId xmlns:a16="http://schemas.microsoft.com/office/drawing/2014/main" id="{5034CE26-8FE1-BBC4-147C-A7EE81D2A939}"/>
+                <a16:creationId xmlns:a16="http://schemas.microsoft.com/office/drawing/2014/main" id="{CD688EC8-8D44-AAE7-B957-187127880F32}"/>
               </a:ext>
             </a:extLst>
           </p:cNvPr>
@@ -504,7 +504,7 @@
           <a:bodyPr/>
           <a:lstStyle/>
           <a:p>
-            <a:fld id="{FA735266-6E3F-4258-B600-2305E12A2D40}" type="slidenum">
+            <a:fld id="{92D253B4-F3DE-4174-9B60-7A50264CD4F3}" type="slidenum">
               <a:rPr lang="zh-CN" altLang="en-US" smtClean="0"/>
               <a:t>‹#›</a:t>
             </a:fld>
@@ -515,7 +515,7 @@
     </p:spTree>
     <p:extLst>
       <p:ext uri="{BB962C8B-B14F-4D97-AF65-F5344CB8AC3E}">
-        <p14:creationId xmlns:p14="http://schemas.microsoft.com/office/powerpoint/2010/main" val="62622229"/>
+        <p14:creationId xmlns:p14="http://schemas.microsoft.com/office/powerpoint/2010/main" val="3651377129"/>
       </p:ext>
     </p:extLst>
   </p:cSld>
@@ -547,7 +547,7 @@
           <p:cNvPr id="2" name="竖排标题 1">
             <a:extLst>
               <a:ext uri="{FF2B5EF4-FFF2-40B4-BE49-F238E27FC236}">
-                <a16:creationId xmlns:a16="http://schemas.microsoft.com/office/drawing/2014/main" id="{5AC8F252-5860-AADB-0D51-98E05B976038}"/>
+                <a16:creationId xmlns:a16="http://schemas.microsoft.com/office/drawing/2014/main" id="{B54D6AE2-503B-47C4-86BB-B06B6842ED97}"/>
               </a:ext>
             </a:extLst>
           </p:cNvPr>
@@ -580,7 +580,7 @@
           <p:cNvPr id="3" name="竖排文字占位符 2">
             <a:extLst>
               <a:ext uri="{FF2B5EF4-FFF2-40B4-BE49-F238E27FC236}">
-                <a16:creationId xmlns:a16="http://schemas.microsoft.com/office/drawing/2014/main" id="{04A19AF8-9A1B-BDA7-F040-22E6E9DDB09F}"/>
+                <a16:creationId xmlns:a16="http://schemas.microsoft.com/office/drawing/2014/main" id="{686002F9-7129-AA54-0EBA-68A17FEEE165}"/>
               </a:ext>
             </a:extLst>
           </p:cNvPr>
@@ -642,7 +642,7 @@
           <p:cNvPr id="4" name="日期占位符 3">
             <a:extLst>
               <a:ext uri="{FF2B5EF4-FFF2-40B4-BE49-F238E27FC236}">
-                <a16:creationId xmlns:a16="http://schemas.microsoft.com/office/drawing/2014/main" id="{8B68E5CC-54FA-4125-5A86-B92B32F9FAD2}"/>
+                <a16:creationId xmlns:a16="http://schemas.microsoft.com/office/drawing/2014/main" id="{58DCE4AA-7ADA-F05F-CFAF-AEC215A872C0}"/>
               </a:ext>
             </a:extLst>
           </p:cNvPr>
@@ -658,7 +658,7 @@
           <a:bodyPr/>
           <a:lstStyle/>
           <a:p>
-            <a:fld id="{6C3B2F43-08CF-45D9-9D36-2057DFEA63A5}" type="datetimeFigureOut">
+            <a:fld id="{6A4B0B89-1C00-48F9-AC23-A53AA94A50F5}" type="datetimeFigureOut">
               <a:rPr lang="zh-CN" altLang="en-US" smtClean="0"/>
               <a:t>2024/3/10</a:t>
             </a:fld>
@@ -671,7 +671,7 @@
           <p:cNvPr id="5" name="页脚占位符 4">
             <a:extLst>
               <a:ext uri="{FF2B5EF4-FFF2-40B4-BE49-F238E27FC236}">
-                <a16:creationId xmlns:a16="http://schemas.microsoft.com/office/drawing/2014/main" id="{F28E34FB-F502-8368-86CE-CC31606BCE7A}"/>
+                <a16:creationId xmlns:a16="http://schemas.microsoft.com/office/drawing/2014/main" id="{88469659-FF36-1A18-5106-5C124412BDE3}"/>
               </a:ext>
             </a:extLst>
           </p:cNvPr>
@@ -696,7 +696,7 @@
           <p:cNvPr id="6" name="灯片编号占位符 5">
             <a:extLst>
               <a:ext uri="{FF2B5EF4-FFF2-40B4-BE49-F238E27FC236}">
-                <a16:creationId xmlns:a16="http://schemas.microsoft.com/office/drawing/2014/main" id="{0EE3C187-9863-A9C4-EB16-E56339969513}"/>
+                <a16:creationId xmlns:a16="http://schemas.microsoft.com/office/drawing/2014/main" id="{FC9C0270-94D7-DB3F-C609-FB948DD0F051}"/>
               </a:ext>
             </a:extLst>
           </p:cNvPr>
@@ -712,7 +712,7 @@
           <a:bodyPr/>
           <a:lstStyle/>
           <a:p>
-            <a:fld id="{FA735266-6E3F-4258-B600-2305E12A2D40}" type="slidenum">
+            <a:fld id="{92D253B4-F3DE-4174-9B60-7A50264CD4F3}" type="slidenum">
               <a:rPr lang="zh-CN" altLang="en-US" smtClean="0"/>
               <a:t>‹#›</a:t>
             </a:fld>
@@ -723,7 +723,7 @@
     </p:spTree>
     <p:extLst>
       <p:ext uri="{BB962C8B-B14F-4D97-AF65-F5344CB8AC3E}">
-        <p14:creationId xmlns:p14="http://schemas.microsoft.com/office/powerpoint/2010/main" val="2652777047"/>
+        <p14:creationId xmlns:p14="http://schemas.microsoft.com/office/powerpoint/2010/main" val="1056265646"/>
       </p:ext>
     </p:extLst>
   </p:cSld>
@@ -755,7 +755,7 @@
           <p:cNvPr id="2" name="标题 1">
             <a:extLst>
               <a:ext uri="{FF2B5EF4-FFF2-40B4-BE49-F238E27FC236}">
-                <a16:creationId xmlns:a16="http://schemas.microsoft.com/office/drawing/2014/main" id="{66BC8E8D-6D85-91EB-CFB8-71FFD67F498B}"/>
+                <a16:creationId xmlns:a16="http://schemas.microsoft.com/office/drawing/2014/main" id="{458522AA-68CA-7D44-F03B-373C7F4CD239}"/>
               </a:ext>
             </a:extLst>
           </p:cNvPr>
@@ -783,7 +783,7 @@
           <p:cNvPr id="3" name="内容占位符 2">
             <a:extLst>
               <a:ext uri="{FF2B5EF4-FFF2-40B4-BE49-F238E27FC236}">
-                <a16:creationId xmlns:a16="http://schemas.microsoft.com/office/drawing/2014/main" id="{C9166C88-2904-5A33-B1AA-57FDA71FC5C8}"/>
+                <a16:creationId xmlns:a16="http://schemas.microsoft.com/office/drawing/2014/main" id="{3833ADF5-B20E-AEF5-5A1A-8CA0303DAF6C}"/>
               </a:ext>
             </a:extLst>
           </p:cNvPr>
@@ -840,7 +840,7 @@
           <p:cNvPr id="4" name="日期占位符 3">
             <a:extLst>
               <a:ext uri="{FF2B5EF4-FFF2-40B4-BE49-F238E27FC236}">
-                <a16:creationId xmlns:a16="http://schemas.microsoft.com/office/drawing/2014/main" id="{A62D7682-8C82-54F9-869C-D3BFFBC748BE}"/>
+                <a16:creationId xmlns:a16="http://schemas.microsoft.com/office/drawing/2014/main" id="{2C12E7CB-3F60-A1AD-CC90-8A7A2A5C8A3D}"/>
               </a:ext>
             </a:extLst>
           </p:cNvPr>
@@ -856,7 +856,7 @@
           <a:bodyPr/>
           <a:lstStyle/>
           <a:p>
-            <a:fld id="{6C3B2F43-08CF-45D9-9D36-2057DFEA63A5}" type="datetimeFigureOut">
+            <a:fld id="{6A4B0B89-1C00-48F9-AC23-A53AA94A50F5}" type="datetimeFigureOut">
               <a:rPr lang="zh-CN" altLang="en-US" smtClean="0"/>
               <a:t>2024/3/10</a:t>
             </a:fld>
@@ -869,7 +869,7 @@
           <p:cNvPr id="5" name="页脚占位符 4">
             <a:extLst>
               <a:ext uri="{FF2B5EF4-FFF2-40B4-BE49-F238E27FC236}">
-                <a16:creationId xmlns:a16="http://schemas.microsoft.com/office/drawing/2014/main" id="{32BD7607-AEB3-91AD-B66C-800FFE203936}"/>
+                <a16:creationId xmlns:a16="http://schemas.microsoft.com/office/drawing/2014/main" id="{FF114051-320B-9402-8DDA-F39C8B77C95D}"/>
               </a:ext>
             </a:extLst>
           </p:cNvPr>
@@ -894,7 +894,7 @@
           <p:cNvPr id="6" name="灯片编号占位符 5">
             <a:extLst>
               <a:ext uri="{FF2B5EF4-FFF2-40B4-BE49-F238E27FC236}">
-                <a16:creationId xmlns:a16="http://schemas.microsoft.com/office/drawing/2014/main" id="{EE0A4AE1-60B5-C4DB-D304-8FF45B2A88E5}"/>
+                <a16:creationId xmlns:a16="http://schemas.microsoft.com/office/drawing/2014/main" id="{897E4EF8-CB87-EB9A-AD1F-6C3B80F7D5D5}"/>
               </a:ext>
             </a:extLst>
           </p:cNvPr>
@@ -910,7 +910,7 @@
           <a:bodyPr/>
           <a:lstStyle/>
           <a:p>
-            <a:fld id="{FA735266-6E3F-4258-B600-2305E12A2D40}" type="slidenum">
+            <a:fld id="{92D253B4-F3DE-4174-9B60-7A50264CD4F3}" type="slidenum">
               <a:rPr lang="zh-CN" altLang="en-US" smtClean="0"/>
               <a:t>‹#›</a:t>
             </a:fld>
@@ -921,7 +921,7 @@
     </p:spTree>
     <p:extLst>
       <p:ext uri="{BB962C8B-B14F-4D97-AF65-F5344CB8AC3E}">
-        <p14:creationId xmlns:p14="http://schemas.microsoft.com/office/powerpoint/2010/main" val="958451233"/>
+        <p14:creationId xmlns:p14="http://schemas.microsoft.com/office/powerpoint/2010/main" val="2694672059"/>
       </p:ext>
     </p:extLst>
   </p:cSld>
@@ -953,7 +953,7 @@
           <p:cNvPr id="2" name="标题 1">
             <a:extLst>
               <a:ext uri="{FF2B5EF4-FFF2-40B4-BE49-F238E27FC236}">
-                <a16:creationId xmlns:a16="http://schemas.microsoft.com/office/drawing/2014/main" id="{D3873721-EC65-8402-D508-31B9F0B6D8DA}"/>
+                <a16:creationId xmlns:a16="http://schemas.microsoft.com/office/drawing/2014/main" id="{2DF33E97-4583-87B7-A0E7-9899BA1A072B}"/>
               </a:ext>
             </a:extLst>
           </p:cNvPr>
@@ -990,7 +990,7 @@
           <p:cNvPr id="3" name="文本占位符 2">
             <a:extLst>
               <a:ext uri="{FF2B5EF4-FFF2-40B4-BE49-F238E27FC236}">
-                <a16:creationId xmlns:a16="http://schemas.microsoft.com/office/drawing/2014/main" id="{88719090-C535-A567-A180-9AE9F970D7BD}"/>
+                <a16:creationId xmlns:a16="http://schemas.microsoft.com/office/drawing/2014/main" id="{A723499A-817E-4FC6-8524-9843A25BD73D}"/>
               </a:ext>
             </a:extLst>
           </p:cNvPr>
@@ -1115,7 +1115,7 @@
           <p:cNvPr id="4" name="日期占位符 3">
             <a:extLst>
               <a:ext uri="{FF2B5EF4-FFF2-40B4-BE49-F238E27FC236}">
-                <a16:creationId xmlns:a16="http://schemas.microsoft.com/office/drawing/2014/main" id="{B17EFCA8-1825-4A6D-D8D8-82E17C54DF50}"/>
+                <a16:creationId xmlns:a16="http://schemas.microsoft.com/office/drawing/2014/main" id="{59D2818A-F7B4-BE9D-375A-A805D3316A9B}"/>
               </a:ext>
             </a:extLst>
           </p:cNvPr>
@@ -1131,7 +1131,7 @@
           <a:bodyPr/>
           <a:lstStyle/>
           <a:p>
-            <a:fld id="{6C3B2F43-08CF-45D9-9D36-2057DFEA63A5}" type="datetimeFigureOut">
+            <a:fld id="{6A4B0B89-1C00-48F9-AC23-A53AA94A50F5}" type="datetimeFigureOut">
               <a:rPr lang="zh-CN" altLang="en-US" smtClean="0"/>
               <a:t>2024/3/10</a:t>
             </a:fld>
@@ -1144,7 +1144,7 @@
           <p:cNvPr id="5" name="页脚占位符 4">
             <a:extLst>
               <a:ext uri="{FF2B5EF4-FFF2-40B4-BE49-F238E27FC236}">
-                <a16:creationId xmlns:a16="http://schemas.microsoft.com/office/drawing/2014/main" id="{DEAEA44C-1F08-EBEB-5DB3-7F261CF95A7F}"/>
+                <a16:creationId xmlns:a16="http://schemas.microsoft.com/office/drawing/2014/main" id="{50C0FB11-C00F-98A4-4E3A-EF35B4C0BC37}"/>
               </a:ext>
             </a:extLst>
           </p:cNvPr>
@@ -1169,7 +1169,7 @@
           <p:cNvPr id="6" name="灯片编号占位符 5">
             <a:extLst>
               <a:ext uri="{FF2B5EF4-FFF2-40B4-BE49-F238E27FC236}">
-                <a16:creationId xmlns:a16="http://schemas.microsoft.com/office/drawing/2014/main" id="{04BA1DB8-74E2-8617-1595-15A602192F09}"/>
+                <a16:creationId xmlns:a16="http://schemas.microsoft.com/office/drawing/2014/main" id="{5893FD6C-0428-7BD1-B8DF-8CA1CA658CF5}"/>
               </a:ext>
             </a:extLst>
           </p:cNvPr>
@@ -1185,7 +1185,7 @@
           <a:bodyPr/>
           <a:lstStyle/>
           <a:p>
-            <a:fld id="{FA735266-6E3F-4258-B600-2305E12A2D40}" type="slidenum">
+            <a:fld id="{92D253B4-F3DE-4174-9B60-7A50264CD4F3}" type="slidenum">
               <a:rPr lang="zh-CN" altLang="en-US" smtClean="0"/>
               <a:t>‹#›</a:t>
             </a:fld>
@@ -1196,7 +1196,7 @@
     </p:spTree>
     <p:extLst>
       <p:ext uri="{BB962C8B-B14F-4D97-AF65-F5344CB8AC3E}">
-        <p14:creationId xmlns:p14="http://schemas.microsoft.com/office/powerpoint/2010/main" val="3689766412"/>
+        <p14:creationId xmlns:p14="http://schemas.microsoft.com/office/powerpoint/2010/main" val="1655286963"/>
       </p:ext>
     </p:extLst>
   </p:cSld>
@@ -1228,7 +1228,7 @@
           <p:cNvPr id="2" name="标题 1">
             <a:extLst>
               <a:ext uri="{FF2B5EF4-FFF2-40B4-BE49-F238E27FC236}">
-                <a16:creationId xmlns:a16="http://schemas.microsoft.com/office/drawing/2014/main" id="{89C69D9E-068C-3E59-AEBD-B8D2E9640224}"/>
+                <a16:creationId xmlns:a16="http://schemas.microsoft.com/office/drawing/2014/main" id="{983FBAF5-D99A-88AE-2CA2-7E6ADB0E054B}"/>
               </a:ext>
             </a:extLst>
           </p:cNvPr>
@@ -1256,7 +1256,7 @@
           <p:cNvPr id="3" name="内容占位符 2">
             <a:extLst>
               <a:ext uri="{FF2B5EF4-FFF2-40B4-BE49-F238E27FC236}">
-                <a16:creationId xmlns:a16="http://schemas.microsoft.com/office/drawing/2014/main" id="{4ECE1A99-692E-2144-A366-A23C1BCDD1F6}"/>
+                <a16:creationId xmlns:a16="http://schemas.microsoft.com/office/drawing/2014/main" id="{301621EC-FBDF-219F-C26F-CE9066158011}"/>
               </a:ext>
             </a:extLst>
           </p:cNvPr>
@@ -1318,7 +1318,7 @@
           <p:cNvPr id="4" name="内容占位符 3">
             <a:extLst>
               <a:ext uri="{FF2B5EF4-FFF2-40B4-BE49-F238E27FC236}">
-                <a16:creationId xmlns:a16="http://schemas.microsoft.com/office/drawing/2014/main" id="{AA7440B5-D311-6A61-7326-A47E99D35E86}"/>
+                <a16:creationId xmlns:a16="http://schemas.microsoft.com/office/drawing/2014/main" id="{0CF4DB34-1041-CE24-A035-25041B0EF25C}"/>
               </a:ext>
             </a:extLst>
           </p:cNvPr>
@@ -1380,7 +1380,7 @@
           <p:cNvPr id="5" name="日期占位符 4">
             <a:extLst>
               <a:ext uri="{FF2B5EF4-FFF2-40B4-BE49-F238E27FC236}">
-                <a16:creationId xmlns:a16="http://schemas.microsoft.com/office/drawing/2014/main" id="{951E29E2-A30F-3C7A-D62C-E03C8E972DA8}"/>
+                <a16:creationId xmlns:a16="http://schemas.microsoft.com/office/drawing/2014/main" id="{E3985071-82BC-19F2-0251-9BD735532B62}"/>
               </a:ext>
             </a:extLst>
           </p:cNvPr>
@@ -1396,7 +1396,7 @@
           <a:bodyPr/>
           <a:lstStyle/>
           <a:p>
-            <a:fld id="{6C3B2F43-08CF-45D9-9D36-2057DFEA63A5}" type="datetimeFigureOut">
+            <a:fld id="{6A4B0B89-1C00-48F9-AC23-A53AA94A50F5}" type="datetimeFigureOut">
               <a:rPr lang="zh-CN" altLang="en-US" smtClean="0"/>
               <a:t>2024/3/10</a:t>
             </a:fld>
@@ -1409,7 +1409,7 @@
           <p:cNvPr id="6" name="页脚占位符 5">
             <a:extLst>
               <a:ext uri="{FF2B5EF4-FFF2-40B4-BE49-F238E27FC236}">
-                <a16:creationId xmlns:a16="http://schemas.microsoft.com/office/drawing/2014/main" id="{F0C7374C-368D-6BF5-2362-C5E054D8A65E}"/>
+                <a16:creationId xmlns:a16="http://schemas.microsoft.com/office/drawing/2014/main" id="{9C88E97F-23F7-86C0-BA12-DAB18164D9B3}"/>
               </a:ext>
             </a:extLst>
           </p:cNvPr>
@@ -1434,7 +1434,7 @@
           <p:cNvPr id="7" name="灯片编号占位符 6">
             <a:extLst>
               <a:ext uri="{FF2B5EF4-FFF2-40B4-BE49-F238E27FC236}">
-                <a16:creationId xmlns:a16="http://schemas.microsoft.com/office/drawing/2014/main" id="{731BE3FE-AB56-A3E2-56FB-623FFE115DAF}"/>
+                <a16:creationId xmlns:a16="http://schemas.microsoft.com/office/drawing/2014/main" id="{7BA8B25F-2F6C-EC12-C4AF-7BA4D4112F47}"/>
               </a:ext>
             </a:extLst>
           </p:cNvPr>
@@ -1450,7 +1450,7 @@
           <a:bodyPr/>
           <a:lstStyle/>
           <a:p>
-            <a:fld id="{FA735266-6E3F-4258-B600-2305E12A2D40}" type="slidenum">
+            <a:fld id="{92D253B4-F3DE-4174-9B60-7A50264CD4F3}" type="slidenum">
               <a:rPr lang="zh-CN" altLang="en-US" smtClean="0"/>
               <a:t>‹#›</a:t>
             </a:fld>
@@ -1461,7 +1461,7 @@
     </p:spTree>
     <p:extLst>
       <p:ext uri="{BB962C8B-B14F-4D97-AF65-F5344CB8AC3E}">
-        <p14:creationId xmlns:p14="http://schemas.microsoft.com/office/powerpoint/2010/main" val="424467234"/>
+        <p14:creationId xmlns:p14="http://schemas.microsoft.com/office/powerpoint/2010/main" val="223940992"/>
       </p:ext>
     </p:extLst>
   </p:cSld>
@@ -1493,7 +1493,7 @@
           <p:cNvPr id="2" name="标题 1">
             <a:extLst>
               <a:ext uri="{FF2B5EF4-FFF2-40B4-BE49-F238E27FC236}">
-                <a16:creationId xmlns:a16="http://schemas.microsoft.com/office/drawing/2014/main" id="{FB373206-86DC-98E8-219B-897A008027D4}"/>
+                <a16:creationId xmlns:a16="http://schemas.microsoft.com/office/drawing/2014/main" id="{818E25C2-855C-C2F8-397E-8E7EFA79A0C6}"/>
               </a:ext>
             </a:extLst>
           </p:cNvPr>
@@ -1526,7 +1526,7 @@
           <p:cNvPr id="3" name="文本占位符 2">
             <a:extLst>
               <a:ext uri="{FF2B5EF4-FFF2-40B4-BE49-F238E27FC236}">
-                <a16:creationId xmlns:a16="http://schemas.microsoft.com/office/drawing/2014/main" id="{DF93F5D1-2EE1-BD4D-5EB1-22D52827B1F0}"/>
+                <a16:creationId xmlns:a16="http://schemas.microsoft.com/office/drawing/2014/main" id="{90A50B97-D78C-9DD8-5015-55972DC75E66}"/>
               </a:ext>
             </a:extLst>
           </p:cNvPr>
@@ -1597,7 +1597,7 @@
           <p:cNvPr id="4" name="内容占位符 3">
             <a:extLst>
               <a:ext uri="{FF2B5EF4-FFF2-40B4-BE49-F238E27FC236}">
-                <a16:creationId xmlns:a16="http://schemas.microsoft.com/office/drawing/2014/main" id="{06D0E030-78AE-C4FA-7321-03DE96CADB9B}"/>
+                <a16:creationId xmlns:a16="http://schemas.microsoft.com/office/drawing/2014/main" id="{72FD2BBB-D919-4E6D-378E-4F336669DF95}"/>
               </a:ext>
             </a:extLst>
           </p:cNvPr>
@@ -1659,7 +1659,7 @@
           <p:cNvPr id="5" name="文本占位符 4">
             <a:extLst>
               <a:ext uri="{FF2B5EF4-FFF2-40B4-BE49-F238E27FC236}">
-                <a16:creationId xmlns:a16="http://schemas.microsoft.com/office/drawing/2014/main" id="{B8A9921E-CB42-6E03-A20D-E322B6045776}"/>
+                <a16:creationId xmlns:a16="http://schemas.microsoft.com/office/drawing/2014/main" id="{B7CF7CDA-5E11-E3BE-9769-DC8D46D8D2A6}"/>
               </a:ext>
             </a:extLst>
           </p:cNvPr>
@@ -1730,7 +1730,7 @@
           <p:cNvPr id="6" name="内容占位符 5">
             <a:extLst>
               <a:ext uri="{FF2B5EF4-FFF2-40B4-BE49-F238E27FC236}">
-                <a16:creationId xmlns:a16="http://schemas.microsoft.com/office/drawing/2014/main" id="{42E61769-2F30-5164-E58D-0F6BBB398E68}"/>
+                <a16:creationId xmlns:a16="http://schemas.microsoft.com/office/drawing/2014/main" id="{319C8044-0954-E52B-A817-3CED3384BE1A}"/>
               </a:ext>
             </a:extLst>
           </p:cNvPr>
@@ -1792,7 +1792,7 @@
           <p:cNvPr id="7" name="日期占位符 6">
             <a:extLst>
               <a:ext uri="{FF2B5EF4-FFF2-40B4-BE49-F238E27FC236}">
-                <a16:creationId xmlns:a16="http://schemas.microsoft.com/office/drawing/2014/main" id="{C7B5524D-3C10-43B6-2209-27F1874B5CDD}"/>
+                <a16:creationId xmlns:a16="http://schemas.microsoft.com/office/drawing/2014/main" id="{1F59032E-3399-E5FC-3A6C-730FD3FE3EDF}"/>
               </a:ext>
             </a:extLst>
           </p:cNvPr>
@@ -1808,7 +1808,7 @@
           <a:bodyPr/>
           <a:lstStyle/>
           <a:p>
-            <a:fld id="{6C3B2F43-08CF-45D9-9D36-2057DFEA63A5}" type="datetimeFigureOut">
+            <a:fld id="{6A4B0B89-1C00-48F9-AC23-A53AA94A50F5}" type="datetimeFigureOut">
               <a:rPr lang="zh-CN" altLang="en-US" smtClean="0"/>
               <a:t>2024/3/10</a:t>
             </a:fld>
@@ -1821,7 +1821,7 @@
           <p:cNvPr id="8" name="页脚占位符 7">
             <a:extLst>
               <a:ext uri="{FF2B5EF4-FFF2-40B4-BE49-F238E27FC236}">
-                <a16:creationId xmlns:a16="http://schemas.microsoft.com/office/drawing/2014/main" id="{5E84BBF9-4495-3713-4437-FB9C7FDEB8D2}"/>
+                <a16:creationId xmlns:a16="http://schemas.microsoft.com/office/drawing/2014/main" id="{1D7E778A-EA5A-CD2A-63C4-A004AD6EE901}"/>
               </a:ext>
             </a:extLst>
           </p:cNvPr>
@@ -1846,7 +1846,7 @@
           <p:cNvPr id="9" name="灯片编号占位符 8">
             <a:extLst>
               <a:ext uri="{FF2B5EF4-FFF2-40B4-BE49-F238E27FC236}">
-                <a16:creationId xmlns:a16="http://schemas.microsoft.com/office/drawing/2014/main" id="{C2A988E1-BE70-DD68-94C2-AA0368F363C7}"/>
+                <a16:creationId xmlns:a16="http://schemas.microsoft.com/office/drawing/2014/main" id="{68ACB0C7-6DC8-670E-2E85-2933A9431453}"/>
               </a:ext>
             </a:extLst>
           </p:cNvPr>
@@ -1862,7 +1862,7 @@
           <a:bodyPr/>
           <a:lstStyle/>
           <a:p>
-            <a:fld id="{FA735266-6E3F-4258-B600-2305E12A2D40}" type="slidenum">
+            <a:fld id="{92D253B4-F3DE-4174-9B60-7A50264CD4F3}" type="slidenum">
               <a:rPr lang="zh-CN" altLang="en-US" smtClean="0"/>
               <a:t>‹#›</a:t>
             </a:fld>
@@ -1873,7 +1873,7 @@
     </p:spTree>
     <p:extLst>
       <p:ext uri="{BB962C8B-B14F-4D97-AF65-F5344CB8AC3E}">
-        <p14:creationId xmlns:p14="http://schemas.microsoft.com/office/powerpoint/2010/main" val="4240488352"/>
+        <p14:creationId xmlns:p14="http://schemas.microsoft.com/office/powerpoint/2010/main" val="2112523645"/>
       </p:ext>
     </p:extLst>
   </p:cSld>
@@ -1905,7 +1905,7 @@
           <p:cNvPr id="2" name="标题 1">
             <a:extLst>
               <a:ext uri="{FF2B5EF4-FFF2-40B4-BE49-F238E27FC236}">
-                <a16:creationId xmlns:a16="http://schemas.microsoft.com/office/drawing/2014/main" id="{3DC444C1-352E-5020-DC27-D619B86F5904}"/>
+                <a16:creationId xmlns:a16="http://schemas.microsoft.com/office/drawing/2014/main" id="{CFA51EC8-9824-8AA3-387C-AD6FFB5DE98F}"/>
               </a:ext>
             </a:extLst>
           </p:cNvPr>
@@ -1933,7 +1933,7 @@
           <p:cNvPr id="3" name="日期占位符 2">
             <a:extLst>
               <a:ext uri="{FF2B5EF4-FFF2-40B4-BE49-F238E27FC236}">
-                <a16:creationId xmlns:a16="http://schemas.microsoft.com/office/drawing/2014/main" id="{6D013395-D5BD-299D-6E6F-C651527D4A6B}"/>
+                <a16:creationId xmlns:a16="http://schemas.microsoft.com/office/drawing/2014/main" id="{DEDFF0CF-2419-BCD8-5FD7-74821F3FC4FB}"/>
               </a:ext>
             </a:extLst>
           </p:cNvPr>
@@ -1949,7 +1949,7 @@
           <a:bodyPr/>
           <a:lstStyle/>
           <a:p>
-            <a:fld id="{6C3B2F43-08CF-45D9-9D36-2057DFEA63A5}" type="datetimeFigureOut">
+            <a:fld id="{6A4B0B89-1C00-48F9-AC23-A53AA94A50F5}" type="datetimeFigureOut">
               <a:rPr lang="zh-CN" altLang="en-US" smtClean="0"/>
               <a:t>2024/3/10</a:t>
             </a:fld>
@@ -1962,7 +1962,7 @@
           <p:cNvPr id="4" name="页脚占位符 3">
             <a:extLst>
               <a:ext uri="{FF2B5EF4-FFF2-40B4-BE49-F238E27FC236}">
-                <a16:creationId xmlns:a16="http://schemas.microsoft.com/office/drawing/2014/main" id="{DF0B4A02-EB0E-F552-ECD0-C5168FFBB0DF}"/>
+                <a16:creationId xmlns:a16="http://schemas.microsoft.com/office/drawing/2014/main" id="{78D0A335-2629-C101-28E9-F300CB8BDC60}"/>
               </a:ext>
             </a:extLst>
           </p:cNvPr>
@@ -1987,7 +1987,7 @@
           <p:cNvPr id="5" name="灯片编号占位符 4">
             <a:extLst>
               <a:ext uri="{FF2B5EF4-FFF2-40B4-BE49-F238E27FC236}">
-                <a16:creationId xmlns:a16="http://schemas.microsoft.com/office/drawing/2014/main" id="{1680E6B3-CD6E-30B4-E903-0016C0BD8508}"/>
+                <a16:creationId xmlns:a16="http://schemas.microsoft.com/office/drawing/2014/main" id="{076671C2-A037-877D-183B-9E2AE02327F7}"/>
               </a:ext>
             </a:extLst>
           </p:cNvPr>
@@ -2003,7 +2003,7 @@
           <a:bodyPr/>
           <a:lstStyle/>
           <a:p>
-            <a:fld id="{FA735266-6E3F-4258-B600-2305E12A2D40}" type="slidenum">
+            <a:fld id="{92D253B4-F3DE-4174-9B60-7A50264CD4F3}" type="slidenum">
               <a:rPr lang="zh-CN" altLang="en-US" smtClean="0"/>
               <a:t>‹#›</a:t>
             </a:fld>
@@ -2014,7 +2014,7 @@
     </p:spTree>
     <p:extLst>
       <p:ext uri="{BB962C8B-B14F-4D97-AF65-F5344CB8AC3E}">
-        <p14:creationId xmlns:p14="http://schemas.microsoft.com/office/powerpoint/2010/main" val="1226105693"/>
+        <p14:creationId xmlns:p14="http://schemas.microsoft.com/office/powerpoint/2010/main" val="2646543630"/>
       </p:ext>
     </p:extLst>
   </p:cSld>
@@ -2046,7 +2046,7 @@
           <p:cNvPr id="2" name="日期占位符 1">
             <a:extLst>
               <a:ext uri="{FF2B5EF4-FFF2-40B4-BE49-F238E27FC236}">
-                <a16:creationId xmlns:a16="http://schemas.microsoft.com/office/drawing/2014/main" id="{C5A56B1C-BF3C-B4F2-D877-C7F25D0DCE46}"/>
+                <a16:creationId xmlns:a16="http://schemas.microsoft.com/office/drawing/2014/main" id="{23DDA148-3CD7-175E-DDAD-01F479B279CE}"/>
               </a:ext>
             </a:extLst>
           </p:cNvPr>
@@ -2062,7 +2062,7 @@
           <a:bodyPr/>
           <a:lstStyle/>
           <a:p>
-            <a:fld id="{6C3B2F43-08CF-45D9-9D36-2057DFEA63A5}" type="datetimeFigureOut">
+            <a:fld id="{6A4B0B89-1C00-48F9-AC23-A53AA94A50F5}" type="datetimeFigureOut">
               <a:rPr lang="zh-CN" altLang="en-US" smtClean="0"/>
               <a:t>2024/3/10</a:t>
             </a:fld>
@@ -2075,7 +2075,7 @@
           <p:cNvPr id="3" name="页脚占位符 2">
             <a:extLst>
               <a:ext uri="{FF2B5EF4-FFF2-40B4-BE49-F238E27FC236}">
-                <a16:creationId xmlns:a16="http://schemas.microsoft.com/office/drawing/2014/main" id="{487DDF70-5CD5-7093-B086-6C92127D7A65}"/>
+                <a16:creationId xmlns:a16="http://schemas.microsoft.com/office/drawing/2014/main" id="{86887254-54A8-2888-504B-E047A3F0BA94}"/>
               </a:ext>
             </a:extLst>
           </p:cNvPr>
@@ -2100,7 +2100,7 @@
           <p:cNvPr id="4" name="灯片编号占位符 3">
             <a:extLst>
               <a:ext uri="{FF2B5EF4-FFF2-40B4-BE49-F238E27FC236}">
-                <a16:creationId xmlns:a16="http://schemas.microsoft.com/office/drawing/2014/main" id="{705BDC5D-9F42-162B-FCAF-DC8712FF3528}"/>
+                <a16:creationId xmlns:a16="http://schemas.microsoft.com/office/drawing/2014/main" id="{0A8608E5-01B0-5995-9ACD-722AF0F56580}"/>
               </a:ext>
             </a:extLst>
           </p:cNvPr>
@@ -2116,7 +2116,7 @@
           <a:bodyPr/>
           <a:lstStyle/>
           <a:p>
-            <a:fld id="{FA735266-6E3F-4258-B600-2305E12A2D40}" type="slidenum">
+            <a:fld id="{92D253B4-F3DE-4174-9B60-7A50264CD4F3}" type="slidenum">
               <a:rPr lang="zh-CN" altLang="en-US" smtClean="0"/>
               <a:t>‹#›</a:t>
             </a:fld>
@@ -2127,7 +2127,7 @@
     </p:spTree>
     <p:extLst>
       <p:ext uri="{BB962C8B-B14F-4D97-AF65-F5344CB8AC3E}">
-        <p14:creationId xmlns:p14="http://schemas.microsoft.com/office/powerpoint/2010/main" val="3061755070"/>
+        <p14:creationId xmlns:p14="http://schemas.microsoft.com/office/powerpoint/2010/main" val="1905537171"/>
       </p:ext>
     </p:extLst>
   </p:cSld>
@@ -2159,7 +2159,7 @@
           <p:cNvPr id="2" name="标题 1">
             <a:extLst>
               <a:ext uri="{FF2B5EF4-FFF2-40B4-BE49-F238E27FC236}">
-                <a16:creationId xmlns:a16="http://schemas.microsoft.com/office/drawing/2014/main" id="{50514311-E711-EAFB-1B45-694DD945478F}"/>
+                <a16:creationId xmlns:a16="http://schemas.microsoft.com/office/drawing/2014/main" id="{1F10855A-AA74-3DF5-E123-8285A2BF70B4}"/>
               </a:ext>
             </a:extLst>
           </p:cNvPr>
@@ -2196,7 +2196,7 @@
           <p:cNvPr id="3" name="内容占位符 2">
             <a:extLst>
               <a:ext uri="{FF2B5EF4-FFF2-40B4-BE49-F238E27FC236}">
-                <a16:creationId xmlns:a16="http://schemas.microsoft.com/office/drawing/2014/main" id="{6D87227B-9893-8B32-DDA5-9F2E5F99AD2A}"/>
+                <a16:creationId xmlns:a16="http://schemas.microsoft.com/office/drawing/2014/main" id="{543E69CF-15D3-1A43-8CCC-97BADFD134FA}"/>
               </a:ext>
             </a:extLst>
           </p:cNvPr>
@@ -2286,7 +2286,7 @@
           <p:cNvPr id="4" name="文本占位符 3">
             <a:extLst>
               <a:ext uri="{FF2B5EF4-FFF2-40B4-BE49-F238E27FC236}">
-                <a16:creationId xmlns:a16="http://schemas.microsoft.com/office/drawing/2014/main" id="{CD9036EA-7CCE-80EE-2DDA-EC0CF5549D24}"/>
+                <a16:creationId xmlns:a16="http://schemas.microsoft.com/office/drawing/2014/main" id="{9C7DA14D-2829-8BB4-A128-36A12ACEFC1B}"/>
               </a:ext>
             </a:extLst>
           </p:cNvPr>
@@ -2357,7 +2357,7 @@
           <p:cNvPr id="5" name="日期占位符 4">
             <a:extLst>
               <a:ext uri="{FF2B5EF4-FFF2-40B4-BE49-F238E27FC236}">
-                <a16:creationId xmlns:a16="http://schemas.microsoft.com/office/drawing/2014/main" id="{5DC75D31-DE51-6B92-CBBD-8F83DA17FACB}"/>
+                <a16:creationId xmlns:a16="http://schemas.microsoft.com/office/drawing/2014/main" id="{4CE7EDD1-A732-0CF8-AFA8-902CB7FE0960}"/>
               </a:ext>
             </a:extLst>
           </p:cNvPr>
@@ -2373,7 +2373,7 @@
           <a:bodyPr/>
           <a:lstStyle/>
           <a:p>
-            <a:fld id="{6C3B2F43-08CF-45D9-9D36-2057DFEA63A5}" type="datetimeFigureOut">
+            <a:fld id="{6A4B0B89-1C00-48F9-AC23-A53AA94A50F5}" type="datetimeFigureOut">
               <a:rPr lang="zh-CN" altLang="en-US" smtClean="0"/>
               <a:t>2024/3/10</a:t>
             </a:fld>
@@ -2386,7 +2386,7 @@
           <p:cNvPr id="6" name="页脚占位符 5">
             <a:extLst>
               <a:ext uri="{FF2B5EF4-FFF2-40B4-BE49-F238E27FC236}">
-                <a16:creationId xmlns:a16="http://schemas.microsoft.com/office/drawing/2014/main" id="{1C59B3E0-E543-3BEB-F6DA-633911F118BD}"/>
+                <a16:creationId xmlns:a16="http://schemas.microsoft.com/office/drawing/2014/main" id="{5F02AFAE-1F75-CF97-0B2F-7EDB0272FF57}"/>
               </a:ext>
             </a:extLst>
           </p:cNvPr>
@@ -2411,7 +2411,7 @@
           <p:cNvPr id="7" name="灯片编号占位符 6">
             <a:extLst>
               <a:ext uri="{FF2B5EF4-FFF2-40B4-BE49-F238E27FC236}">
-                <a16:creationId xmlns:a16="http://schemas.microsoft.com/office/drawing/2014/main" id="{3D98C55D-9CA4-3573-4253-FC394813662F}"/>
+                <a16:creationId xmlns:a16="http://schemas.microsoft.com/office/drawing/2014/main" id="{51BA0037-A480-9AB2-6550-0BB3107CC78A}"/>
               </a:ext>
             </a:extLst>
           </p:cNvPr>
@@ -2427,7 +2427,7 @@
           <a:bodyPr/>
           <a:lstStyle/>
           <a:p>
-            <a:fld id="{FA735266-6E3F-4258-B600-2305E12A2D40}" type="slidenum">
+            <a:fld id="{92D253B4-F3DE-4174-9B60-7A50264CD4F3}" type="slidenum">
               <a:rPr lang="zh-CN" altLang="en-US" smtClean="0"/>
               <a:t>‹#›</a:t>
             </a:fld>
@@ -2438,7 +2438,7 @@
     </p:spTree>
     <p:extLst>
       <p:ext uri="{BB962C8B-B14F-4D97-AF65-F5344CB8AC3E}">
-        <p14:creationId xmlns:p14="http://schemas.microsoft.com/office/powerpoint/2010/main" val="260683150"/>
+        <p14:creationId xmlns:p14="http://schemas.microsoft.com/office/powerpoint/2010/main" val="313675387"/>
       </p:ext>
     </p:extLst>
   </p:cSld>
@@ -2470,7 +2470,7 @@
           <p:cNvPr id="2" name="标题 1">
             <a:extLst>
               <a:ext uri="{FF2B5EF4-FFF2-40B4-BE49-F238E27FC236}">
-                <a16:creationId xmlns:a16="http://schemas.microsoft.com/office/drawing/2014/main" id="{00E9281A-1E23-0AE7-C26D-BAA50E4C52E8}"/>
+                <a16:creationId xmlns:a16="http://schemas.microsoft.com/office/drawing/2014/main" id="{86DBD443-87B1-06B6-83E3-7FF71AE6C481}"/>
               </a:ext>
             </a:extLst>
           </p:cNvPr>
@@ -2507,7 +2507,7 @@
           <p:cNvPr id="3" name="图片占位符 2">
             <a:extLst>
               <a:ext uri="{FF2B5EF4-FFF2-40B4-BE49-F238E27FC236}">
-                <a16:creationId xmlns:a16="http://schemas.microsoft.com/office/drawing/2014/main" id="{32CF733A-586A-7E28-FB82-6BEEAF70D7BE}"/>
+                <a16:creationId xmlns:a16="http://schemas.microsoft.com/office/drawing/2014/main" id="{AC741412-9932-EB33-F05D-36DD884ACFA7}"/>
               </a:ext>
             </a:extLst>
           </p:cNvPr>
@@ -2574,7 +2574,7 @@
           <p:cNvPr id="4" name="文本占位符 3">
             <a:extLst>
               <a:ext uri="{FF2B5EF4-FFF2-40B4-BE49-F238E27FC236}">
-                <a16:creationId xmlns:a16="http://schemas.microsoft.com/office/drawing/2014/main" id="{93E46499-B693-4D9E-9A6C-854BC01581E7}"/>
+                <a16:creationId xmlns:a16="http://schemas.microsoft.com/office/drawing/2014/main" id="{4F832620-4CE8-746D-FCF3-C57857D7DE36}"/>
               </a:ext>
             </a:extLst>
           </p:cNvPr>
@@ -2645,7 +2645,7 @@
           <p:cNvPr id="5" name="日期占位符 4">
             <a:extLst>
               <a:ext uri="{FF2B5EF4-FFF2-40B4-BE49-F238E27FC236}">
-                <a16:creationId xmlns:a16="http://schemas.microsoft.com/office/drawing/2014/main" id="{95D84DDE-67C6-ED75-2998-8BFD7EAA52E0}"/>
+                <a16:creationId xmlns:a16="http://schemas.microsoft.com/office/drawing/2014/main" id="{895BFB82-33BE-8E3B-C1D0-2E172D228273}"/>
               </a:ext>
             </a:extLst>
           </p:cNvPr>
@@ -2661,7 +2661,7 @@
           <a:bodyPr/>
           <a:lstStyle/>
           <a:p>
-            <a:fld id="{6C3B2F43-08CF-45D9-9D36-2057DFEA63A5}" type="datetimeFigureOut">
+            <a:fld id="{6A4B0B89-1C00-48F9-AC23-A53AA94A50F5}" type="datetimeFigureOut">
               <a:rPr lang="zh-CN" altLang="en-US" smtClean="0"/>
               <a:t>2024/3/10</a:t>
             </a:fld>
@@ -2674,7 +2674,7 @@
           <p:cNvPr id="6" name="页脚占位符 5">
             <a:extLst>
               <a:ext uri="{FF2B5EF4-FFF2-40B4-BE49-F238E27FC236}">
-                <a16:creationId xmlns:a16="http://schemas.microsoft.com/office/drawing/2014/main" id="{15259556-A503-4566-66D2-871F39C16174}"/>
+                <a16:creationId xmlns:a16="http://schemas.microsoft.com/office/drawing/2014/main" id="{91A0DB11-B8F8-E3C0-5FD3-E98D45F3078A}"/>
               </a:ext>
             </a:extLst>
           </p:cNvPr>
@@ -2699,7 +2699,7 @@
           <p:cNvPr id="7" name="灯片编号占位符 6">
             <a:extLst>
               <a:ext uri="{FF2B5EF4-FFF2-40B4-BE49-F238E27FC236}">
-                <a16:creationId xmlns:a16="http://schemas.microsoft.com/office/drawing/2014/main" id="{6FA8EFC6-FC8D-3524-D1C6-8C036A5505EB}"/>
+                <a16:creationId xmlns:a16="http://schemas.microsoft.com/office/drawing/2014/main" id="{E76A2D81-78EC-3A3C-6B1F-2AE4FBB322B4}"/>
               </a:ext>
             </a:extLst>
           </p:cNvPr>
@@ -2715,7 +2715,7 @@
           <a:bodyPr/>
           <a:lstStyle/>
           <a:p>
-            <a:fld id="{FA735266-6E3F-4258-B600-2305E12A2D40}" type="slidenum">
+            <a:fld id="{92D253B4-F3DE-4174-9B60-7A50264CD4F3}" type="slidenum">
               <a:rPr lang="zh-CN" altLang="en-US" smtClean="0"/>
               <a:t>‹#›</a:t>
             </a:fld>
@@ -2726,7 +2726,7 @@
     </p:spTree>
     <p:extLst>
       <p:ext uri="{BB962C8B-B14F-4D97-AF65-F5344CB8AC3E}">
-        <p14:creationId xmlns:p14="http://schemas.microsoft.com/office/powerpoint/2010/main" val="3917221145"/>
+        <p14:creationId xmlns:p14="http://schemas.microsoft.com/office/powerpoint/2010/main" val="1709894622"/>
       </p:ext>
     </p:extLst>
   </p:cSld>
@@ -2763,7 +2763,7 @@
           <p:cNvPr id="2" name="标题占位符 1">
             <a:extLst>
               <a:ext uri="{FF2B5EF4-FFF2-40B4-BE49-F238E27FC236}">
-                <a16:creationId xmlns:a16="http://schemas.microsoft.com/office/drawing/2014/main" id="{643100BD-4C48-E092-9215-DA5945C63767}"/>
+                <a16:creationId xmlns:a16="http://schemas.microsoft.com/office/drawing/2014/main" id="{0578EFCB-7669-902D-1FB8-C7E0C706A10A}"/>
               </a:ext>
             </a:extLst>
           </p:cNvPr>
@@ -2801,7 +2801,7 @@
           <p:cNvPr id="3" name="文本占位符 2">
             <a:extLst>
               <a:ext uri="{FF2B5EF4-FFF2-40B4-BE49-F238E27FC236}">
-                <a16:creationId xmlns:a16="http://schemas.microsoft.com/office/drawing/2014/main" id="{5DF841D4-B9AE-A312-DCC1-A7A30E104F65}"/>
+                <a16:creationId xmlns:a16="http://schemas.microsoft.com/office/drawing/2014/main" id="{EACF072A-2926-578D-B4F1-DE7829CF030B}"/>
               </a:ext>
             </a:extLst>
           </p:cNvPr>
@@ -2868,7 +2868,7 @@
           <p:cNvPr id="4" name="日期占位符 3">
             <a:extLst>
               <a:ext uri="{FF2B5EF4-FFF2-40B4-BE49-F238E27FC236}">
-                <a16:creationId xmlns:a16="http://schemas.microsoft.com/office/drawing/2014/main" id="{E4FC7EFE-7397-9F48-AEF5-5DB9C310E1B8}"/>
+                <a16:creationId xmlns:a16="http://schemas.microsoft.com/office/drawing/2014/main" id="{BE6C0080-A4C0-01DF-222B-2BD7F4C4F9D5}"/>
               </a:ext>
             </a:extLst>
           </p:cNvPr>
@@ -2902,7 +2902,7 @@
             </a:lvl1pPr>
           </a:lstStyle>
           <a:p>
-            <a:fld id="{6C3B2F43-08CF-45D9-9D36-2057DFEA63A5}" type="datetimeFigureOut">
+            <a:fld id="{6A4B0B89-1C00-48F9-AC23-A53AA94A50F5}" type="datetimeFigureOut">
               <a:rPr lang="zh-CN" altLang="en-US" smtClean="0"/>
               <a:t>2024/3/10</a:t>
             </a:fld>
@@ -2915,7 +2915,7 @@
           <p:cNvPr id="5" name="页脚占位符 4">
             <a:extLst>
               <a:ext uri="{FF2B5EF4-FFF2-40B4-BE49-F238E27FC236}">
-                <a16:creationId xmlns:a16="http://schemas.microsoft.com/office/drawing/2014/main" id="{F8B44D9E-F794-DFAA-4F4B-EB38FEA1749D}"/>
+                <a16:creationId xmlns:a16="http://schemas.microsoft.com/office/drawing/2014/main" id="{E1E7F222-19B2-19A6-4A04-452C6F8D9ADC}"/>
               </a:ext>
             </a:extLst>
           </p:cNvPr>
@@ -2958,7 +2958,7 @@
           <p:cNvPr id="6" name="灯片编号占位符 5">
             <a:extLst>
               <a:ext uri="{FF2B5EF4-FFF2-40B4-BE49-F238E27FC236}">
-                <a16:creationId xmlns:a16="http://schemas.microsoft.com/office/drawing/2014/main" id="{7CD62C54-5CA5-2C7F-C1A2-EDA71F335AF9}"/>
+                <a16:creationId xmlns:a16="http://schemas.microsoft.com/office/drawing/2014/main" id="{2BD0EB90-4B21-89E4-5239-1F81ED1C1845}"/>
               </a:ext>
             </a:extLst>
           </p:cNvPr>
@@ -2992,7 +2992,7 @@
             </a:lvl1pPr>
           </a:lstStyle>
           <a:p>
-            <a:fld id="{FA735266-6E3F-4258-B600-2305E12A2D40}" type="slidenum">
+            <a:fld id="{92D253B4-F3DE-4174-9B60-7A50264CD4F3}" type="slidenum">
               <a:rPr lang="zh-CN" altLang="en-US" smtClean="0"/>
               <a:t>‹#›</a:t>
             </a:fld>
@@ -3003,7 +3003,7 @@
     </p:spTree>
     <p:extLst>
       <p:ext uri="{BB962C8B-B14F-4D97-AF65-F5344CB8AC3E}">
-        <p14:creationId xmlns:p14="http://schemas.microsoft.com/office/powerpoint/2010/main" val="3586930314"/>
+        <p14:creationId xmlns:p14="http://schemas.microsoft.com/office/powerpoint/2010/main" val="2616443276"/>
       </p:ext>
     </p:extLst>
   </p:cSld>
@@ -3323,7 +3323,7 @@
       </p:grpSpPr>
       <p:pic>
         <p:nvPicPr>
-          <p:cNvPr id="1442818" name="Picture 2" descr="1408"/>
+          <p:cNvPr id="1443842" name="Picture 2" descr="1409"/>
           <p:cNvPicPr>
             <a:picLocks noChangeAspect="1" noChangeArrowheads="1"/>
           </p:cNvPicPr>
@@ -3344,8 +3344,8 @@
         </p:blipFill>
         <p:spPr bwMode="auto">
           <a:xfrm>
-            <a:off x="1524000" y="1"/>
-            <a:ext cx="9144000" cy="4149725"/>
+            <a:off x="1524000" y="0"/>
+            <a:ext cx="9144000" cy="4292600"/>
           </a:xfrm>
           <a:prstGeom prst="rect">
             <a:avLst/>
